--- a/ELK Stack.pptx
+++ b/ELK Stack.pptx
@@ -5855,7 +5855,7 @@
                   <a:srgbClr val="EFDB6D"/>
                 </a:solidFill>
               </a:rPr>
-              <a:t>Andranik Barseghyan, Arsen Safaryan </a:t>
+              <a:t>Andranik Barseghyan </a:t>
             </a:r>
             <a:endParaRPr lang="en-GB" altLang="zh-CN" sz="2500" dirty="0">
               <a:solidFill>
